--- a/B2_ProposerModele/B2_06_ModeleComportement/502_Divers/images/Figures.pptx
+++ b/B2_ProposerModele/B2_06_ModeleComportement/502_Divers/images/Figures.pptx
@@ -7,7 +7,9 @@
   <p:sldIdLst>
     <p:sldId id="257" r:id="rId2"/>
     <p:sldId id="256" r:id="rId3"/>
-    <p:sldId id="258" r:id="rId4"/>
+    <p:sldId id="260" r:id="rId4"/>
+    <p:sldId id="258" r:id="rId5"/>
+    <p:sldId id="259" r:id="rId6"/>
   </p:sldIdLst>
   <p:sldSz cx="12192000" cy="6858000"/>
   <p:notesSz cx="6858000" cy="9144000"/>
@@ -272,7 +274,7 @@
           <a:p>
             <a:fld id="{46797E61-114D-4807-A16D-58645C2B887E}" type="datetimeFigureOut">
               <a:rPr lang="fr-FR" smtClean="0"/>
-              <a:t>04/07/2022</a:t>
+              <a:t>05/07/2022</a:t>
             </a:fld>
             <a:endParaRPr lang="fr-FR"/>
           </a:p>
@@ -470,7 +472,7 @@
           <a:p>
             <a:fld id="{46797E61-114D-4807-A16D-58645C2B887E}" type="datetimeFigureOut">
               <a:rPr lang="fr-FR" smtClean="0"/>
-              <a:t>04/07/2022</a:t>
+              <a:t>05/07/2022</a:t>
             </a:fld>
             <a:endParaRPr lang="fr-FR"/>
           </a:p>
@@ -678,7 +680,7 @@
           <a:p>
             <a:fld id="{46797E61-114D-4807-A16D-58645C2B887E}" type="datetimeFigureOut">
               <a:rPr lang="fr-FR" smtClean="0"/>
-              <a:t>04/07/2022</a:t>
+              <a:t>05/07/2022</a:t>
             </a:fld>
             <a:endParaRPr lang="fr-FR"/>
           </a:p>
@@ -876,7 +878,7 @@
           <a:p>
             <a:fld id="{46797E61-114D-4807-A16D-58645C2B887E}" type="datetimeFigureOut">
               <a:rPr lang="fr-FR" smtClean="0"/>
-              <a:t>04/07/2022</a:t>
+              <a:t>05/07/2022</a:t>
             </a:fld>
             <a:endParaRPr lang="fr-FR"/>
           </a:p>
@@ -1151,7 +1153,7 @@
           <a:p>
             <a:fld id="{46797E61-114D-4807-A16D-58645C2B887E}" type="datetimeFigureOut">
               <a:rPr lang="fr-FR" smtClean="0"/>
-              <a:t>04/07/2022</a:t>
+              <a:t>05/07/2022</a:t>
             </a:fld>
             <a:endParaRPr lang="fr-FR"/>
           </a:p>
@@ -1416,7 +1418,7 @@
           <a:p>
             <a:fld id="{46797E61-114D-4807-A16D-58645C2B887E}" type="datetimeFigureOut">
               <a:rPr lang="fr-FR" smtClean="0"/>
-              <a:t>04/07/2022</a:t>
+              <a:t>05/07/2022</a:t>
             </a:fld>
             <a:endParaRPr lang="fr-FR"/>
           </a:p>
@@ -1828,7 +1830,7 @@
           <a:p>
             <a:fld id="{46797E61-114D-4807-A16D-58645C2B887E}" type="datetimeFigureOut">
               <a:rPr lang="fr-FR" smtClean="0"/>
-              <a:t>04/07/2022</a:t>
+              <a:t>05/07/2022</a:t>
             </a:fld>
             <a:endParaRPr lang="fr-FR"/>
           </a:p>
@@ -1969,7 +1971,7 @@
           <a:p>
             <a:fld id="{46797E61-114D-4807-A16D-58645C2B887E}" type="datetimeFigureOut">
               <a:rPr lang="fr-FR" smtClean="0"/>
-              <a:t>04/07/2022</a:t>
+              <a:t>05/07/2022</a:t>
             </a:fld>
             <a:endParaRPr lang="fr-FR"/>
           </a:p>
@@ -2082,7 +2084,7 @@
           <a:p>
             <a:fld id="{46797E61-114D-4807-A16D-58645C2B887E}" type="datetimeFigureOut">
               <a:rPr lang="fr-FR" smtClean="0"/>
-              <a:t>04/07/2022</a:t>
+              <a:t>05/07/2022</a:t>
             </a:fld>
             <a:endParaRPr lang="fr-FR"/>
           </a:p>
@@ -2393,7 +2395,7 @@
           <a:p>
             <a:fld id="{46797E61-114D-4807-A16D-58645C2B887E}" type="datetimeFigureOut">
               <a:rPr lang="fr-FR" smtClean="0"/>
-              <a:t>04/07/2022</a:t>
+              <a:t>05/07/2022</a:t>
             </a:fld>
             <a:endParaRPr lang="fr-FR"/>
           </a:p>
@@ -2681,7 +2683,7 @@
           <a:p>
             <a:fld id="{46797E61-114D-4807-A16D-58645C2B887E}" type="datetimeFigureOut">
               <a:rPr lang="fr-FR" smtClean="0"/>
-              <a:t>04/07/2022</a:t>
+              <a:t>05/07/2022</a:t>
             </a:fld>
             <a:endParaRPr lang="fr-FR"/>
           </a:p>
@@ -2922,7 +2924,7 @@
           <a:p>
             <a:fld id="{46797E61-114D-4807-A16D-58645C2B887E}" type="datetimeFigureOut">
               <a:rPr lang="fr-FR" smtClean="0"/>
-              <a:t>04/07/2022</a:t>
+              <a:t>05/07/2022</a:t>
             </a:fld>
             <a:endParaRPr lang="fr-FR"/>
           </a:p>
@@ -3682,8 +3684,8 @@
           </a:fontRef>
         </p:style>
       </p:cxnSp>
-      <mc:AlternateContent xmlns:mc="http://schemas.openxmlformats.org/markup-compatibility/2006">
-        <mc:Choice xmlns:a14="http://schemas.microsoft.com/office/drawing/2010/main" Requires="a14">
+      <mc:AlternateContent xmlns:mc="http://schemas.openxmlformats.org/markup-compatibility/2006" xmlns:a14="http://schemas.microsoft.com/office/drawing/2010/main">
+        <mc:Choice Requires="a14">
           <p:sp>
             <p:nvSpPr>
               <p:cNvPr id="23" name="ZoneTexte 22">
@@ -3712,6 +3714,7 @@
               </a:bodyPr>
               <a:lstStyle/>
               <a:p>
+                <a:pPr/>
                 <a14:m>
                   <m:oMathPara xmlns:m="http://schemas.openxmlformats.org/officeDocument/2006/math">
                     <m:oMathParaPr>
@@ -3763,7 +3766,7 @@
             </p:txBody>
           </p:sp>
         </mc:Choice>
-        <mc:Fallback>
+        <mc:Fallback xmlns="">
           <p:sp>
             <p:nvSpPr>
               <p:cNvPr id="23" name="ZoneTexte 22">
@@ -3808,8 +3811,8 @@
           </p:sp>
         </mc:Fallback>
       </mc:AlternateContent>
-      <mc:AlternateContent xmlns:mc="http://schemas.openxmlformats.org/markup-compatibility/2006">
-        <mc:Choice xmlns:a14="http://schemas.microsoft.com/office/drawing/2010/main" Requires="a14">
+      <mc:AlternateContent xmlns:mc="http://schemas.openxmlformats.org/markup-compatibility/2006" xmlns:a14="http://schemas.microsoft.com/office/drawing/2010/main">
+        <mc:Choice Requires="a14">
           <p:sp>
             <p:nvSpPr>
               <p:cNvPr id="24" name="ZoneTexte 23">
@@ -3838,6 +3841,7 @@
               </a:bodyPr>
               <a:lstStyle/>
               <a:p>
+                <a:pPr/>
                 <a14:m>
                   <m:oMathPara xmlns:m="http://schemas.openxmlformats.org/officeDocument/2006/math">
                     <m:oMathParaPr>
@@ -3877,7 +3881,7 @@
             </p:txBody>
           </p:sp>
         </mc:Choice>
-        <mc:Fallback>
+        <mc:Fallback xmlns="">
           <p:sp>
             <p:nvSpPr>
               <p:cNvPr id="24" name="ZoneTexte 23">
@@ -3922,8 +3926,8 @@
           </p:sp>
         </mc:Fallback>
       </mc:AlternateContent>
-      <mc:AlternateContent xmlns:mc="http://schemas.openxmlformats.org/markup-compatibility/2006">
-        <mc:Choice xmlns:a14="http://schemas.microsoft.com/office/drawing/2010/main" Requires="a14">
+      <mc:AlternateContent xmlns:mc="http://schemas.openxmlformats.org/markup-compatibility/2006" xmlns:a14="http://schemas.microsoft.com/office/drawing/2010/main">
+        <mc:Choice Requires="a14">
           <p:sp>
             <p:nvSpPr>
               <p:cNvPr id="25" name="ZoneTexte 24">
@@ -3952,6 +3956,7 @@
               </a:bodyPr>
               <a:lstStyle/>
               <a:p>
+                <a:pPr/>
                 <a14:m>
                   <m:oMathPara xmlns:m="http://schemas.openxmlformats.org/officeDocument/2006/math">
                     <m:oMathParaPr>
@@ -4003,7 +4008,7 @@
             </p:txBody>
           </p:sp>
         </mc:Choice>
-        <mc:Fallback>
+        <mc:Fallback xmlns="">
           <p:sp>
             <p:nvSpPr>
               <p:cNvPr id="25" name="ZoneTexte 24">
@@ -4048,8 +4053,8 @@
           </p:sp>
         </mc:Fallback>
       </mc:AlternateContent>
-      <mc:AlternateContent xmlns:mc="http://schemas.openxmlformats.org/markup-compatibility/2006">
-        <mc:Choice xmlns:a14="http://schemas.microsoft.com/office/drawing/2010/main" Requires="a14">
+      <mc:AlternateContent xmlns:mc="http://schemas.openxmlformats.org/markup-compatibility/2006" xmlns:a14="http://schemas.microsoft.com/office/drawing/2010/main">
+        <mc:Choice Requires="a14">
           <p:sp>
             <p:nvSpPr>
               <p:cNvPr id="26" name="ZoneTexte 25">
@@ -4078,6 +4083,7 @@
               </a:bodyPr>
               <a:lstStyle/>
               <a:p>
+                <a:pPr/>
                 <a14:m>
                   <m:oMathPara xmlns:m="http://schemas.openxmlformats.org/officeDocument/2006/math">
                     <m:oMathParaPr>
@@ -4107,7 +4113,7 @@
             </p:txBody>
           </p:sp>
         </mc:Choice>
-        <mc:Fallback>
+        <mc:Fallback xmlns="">
           <p:sp>
             <p:nvSpPr>
               <p:cNvPr id="26" name="ZoneTexte 25">
@@ -4152,8 +4158,8 @@
           </p:sp>
         </mc:Fallback>
       </mc:AlternateContent>
-      <mc:AlternateContent xmlns:mc="http://schemas.openxmlformats.org/markup-compatibility/2006">
-        <mc:Choice xmlns:a14="http://schemas.microsoft.com/office/drawing/2010/main" Requires="a14">
+      <mc:AlternateContent xmlns:mc="http://schemas.openxmlformats.org/markup-compatibility/2006" xmlns:a14="http://schemas.microsoft.com/office/drawing/2010/main">
+        <mc:Choice Requires="a14">
           <p:sp>
             <p:nvSpPr>
               <p:cNvPr id="27" name="ZoneTexte 26">
@@ -4182,6 +4188,7 @@
               </a:bodyPr>
               <a:lstStyle/>
               <a:p>
+                <a:pPr/>
                 <a14:m>
                   <m:oMathPara xmlns:m="http://schemas.openxmlformats.org/officeDocument/2006/math">
                     <m:oMathParaPr>
@@ -4211,7 +4218,7 @@
             </p:txBody>
           </p:sp>
         </mc:Choice>
-        <mc:Fallback>
+        <mc:Fallback xmlns="">
           <p:sp>
             <p:nvSpPr>
               <p:cNvPr id="27" name="ZoneTexte 26">
@@ -4365,8 +4372,8 @@
           </a:fontRef>
         </p:style>
       </p:cxnSp>
-      <mc:AlternateContent xmlns:mc="http://schemas.openxmlformats.org/markup-compatibility/2006">
-        <mc:Choice xmlns:a14="http://schemas.microsoft.com/office/drawing/2010/main" Requires="a14">
+      <mc:AlternateContent xmlns:mc="http://schemas.openxmlformats.org/markup-compatibility/2006" xmlns:a14="http://schemas.microsoft.com/office/drawing/2010/main">
+        <mc:Choice Requires="a14">
           <p:sp>
             <p:nvSpPr>
               <p:cNvPr id="11" name="ZoneTexte 10">
@@ -4395,6 +4402,7 @@
               </a:bodyPr>
               <a:lstStyle/>
               <a:p>
+                <a:pPr/>
                 <a14:m>
                   <m:oMathPara xmlns:m="http://schemas.openxmlformats.org/officeDocument/2006/math">
                     <m:oMathParaPr>
@@ -4440,7 +4448,7 @@
             </p:txBody>
           </p:sp>
         </mc:Choice>
-        <mc:Fallback>
+        <mc:Fallback xmlns="">
           <p:sp>
             <p:nvSpPr>
               <p:cNvPr id="11" name="ZoneTexte 10">
@@ -4616,8 +4624,8 @@
           </a:fontRef>
         </p:style>
       </p:cxnSp>
-      <mc:AlternateContent xmlns:mc="http://schemas.openxmlformats.org/markup-compatibility/2006">
-        <mc:Choice xmlns:a14="http://schemas.microsoft.com/office/drawing/2010/main" Requires="a14">
+      <mc:AlternateContent xmlns:mc="http://schemas.openxmlformats.org/markup-compatibility/2006" xmlns:a14="http://schemas.microsoft.com/office/drawing/2010/main">
+        <mc:Choice Requires="a14">
           <p:sp>
             <p:nvSpPr>
               <p:cNvPr id="21" name="ZoneTexte 20">
@@ -4646,6 +4654,7 @@
               </a:bodyPr>
               <a:lstStyle/>
               <a:p>
+                <a:pPr/>
                 <a14:m>
                   <m:oMathPara xmlns:m="http://schemas.openxmlformats.org/officeDocument/2006/math">
                     <m:oMathParaPr>
@@ -4697,7 +4706,7 @@
             </p:txBody>
           </p:sp>
         </mc:Choice>
-        <mc:Fallback>
+        <mc:Fallback xmlns="">
           <p:sp>
             <p:nvSpPr>
               <p:cNvPr id="21" name="ZoneTexte 20">
@@ -5099,8 +5108,8 @@
           </a:fontRef>
         </p:style>
       </p:cxnSp>
-      <mc:AlternateContent xmlns:mc="http://schemas.openxmlformats.org/markup-compatibility/2006">
-        <mc:Choice xmlns:a14="http://schemas.microsoft.com/office/drawing/2010/main" Requires="a14">
+      <mc:AlternateContent xmlns:mc="http://schemas.openxmlformats.org/markup-compatibility/2006" xmlns:a14="http://schemas.microsoft.com/office/drawing/2010/main">
+        <mc:Choice Requires="a14">
           <p:sp>
             <p:nvSpPr>
               <p:cNvPr id="44" name="ZoneTexte 43">
@@ -5129,6 +5138,7 @@
               </a:bodyPr>
               <a:lstStyle/>
               <a:p>
+                <a:pPr/>
                 <a14:m>
                   <m:oMathPara xmlns:m="http://schemas.openxmlformats.org/officeDocument/2006/math">
                     <m:oMathParaPr>
@@ -5149,7 +5159,7 @@
             </p:txBody>
           </p:sp>
         </mc:Choice>
-        <mc:Fallback>
+        <mc:Fallback xmlns="">
           <p:sp>
             <p:nvSpPr>
               <p:cNvPr id="44" name="ZoneTexte 43">
@@ -5208,6 +5218,850 @@
 </file>
 
 <file path=ppt/slides/slide3.xml><?xml version="1.0" encoding="utf-8"?>
+<p:sld xmlns:a="http://schemas.openxmlformats.org/drawingml/2006/main" xmlns:r="http://schemas.openxmlformats.org/officeDocument/2006/relationships" xmlns:p="http://schemas.openxmlformats.org/presentationml/2006/main">
+  <p:cSld>
+    <p:spTree>
+      <p:nvGrpSpPr>
+        <p:cNvPr id="1" name=""/>
+        <p:cNvGrpSpPr/>
+        <p:nvPr/>
+      </p:nvGrpSpPr>
+      <p:grpSpPr>
+        <a:xfrm>
+          <a:off x="0" y="0"/>
+          <a:ext cx="0" cy="0"/>
+          <a:chOff x="0" y="0"/>
+          <a:chExt cx="0" cy="0"/>
+        </a:xfrm>
+      </p:grpSpPr>
+      <p:pic>
+        <p:nvPicPr>
+          <p:cNvPr id="7" name="Image 6">
+            <a:extLst>
+              <a:ext uri="{FF2B5EF4-FFF2-40B4-BE49-F238E27FC236}">
+                <a16:creationId xmlns:a16="http://schemas.microsoft.com/office/drawing/2014/main" id="{B5ADBB5A-28BF-2B38-6FE3-CCB25F97545D}"/>
+              </a:ext>
+            </a:extLst>
+          </p:cNvPr>
+          <p:cNvPicPr>
+            <a:picLocks noChangeAspect="1"/>
+          </p:cNvPicPr>
+          <p:nvPr/>
+        </p:nvPicPr>
+        <p:blipFill>
+          <a:blip r:embed="rId2">
+            <a:extLst>
+              <a:ext uri="{28A0092B-C50C-407E-A947-70E740481C1C}">
+                <a14:useLocalDpi xmlns:a14="http://schemas.microsoft.com/office/drawing/2010/main" val="0"/>
+              </a:ext>
+            </a:extLst>
+          </a:blip>
+          <a:stretch>
+            <a:fillRect/>
+          </a:stretch>
+        </p:blipFill>
+        <p:spPr>
+          <a:xfrm>
+            <a:off x="1363087" y="541111"/>
+            <a:ext cx="9465826" cy="5848804"/>
+          </a:xfrm>
+          <a:prstGeom prst="rect">
+            <a:avLst/>
+          </a:prstGeom>
+        </p:spPr>
+      </p:pic>
+      <p:cxnSp>
+        <p:nvCxnSpPr>
+          <p:cNvPr id="10" name="Connecteur droit 9">
+            <a:extLst>
+              <a:ext uri="{FF2B5EF4-FFF2-40B4-BE49-F238E27FC236}">
+                <a16:creationId xmlns:a16="http://schemas.microsoft.com/office/drawing/2014/main" id="{55A9ABBA-4606-4FDC-7D1F-F9646851DDDD}"/>
+              </a:ext>
+            </a:extLst>
+          </p:cNvPr>
+          <p:cNvCxnSpPr>
+            <a:cxnSpLocks/>
+          </p:cNvCxnSpPr>
+          <p:nvPr/>
+        </p:nvCxnSpPr>
+        <p:spPr>
+          <a:xfrm>
+            <a:off x="1839686" y="3374570"/>
+            <a:ext cx="8804169" cy="0"/>
+          </a:xfrm>
+          <a:prstGeom prst="line">
+            <a:avLst/>
+          </a:prstGeom>
+          <a:ln w="57150">
+            <a:solidFill>
+              <a:srgbClr val="FF0000"/>
+            </a:solidFill>
+          </a:ln>
+        </p:spPr>
+        <p:style>
+          <a:lnRef idx="1">
+            <a:schemeClr val="accent1"/>
+          </a:lnRef>
+          <a:fillRef idx="0">
+            <a:schemeClr val="accent1"/>
+          </a:fillRef>
+          <a:effectRef idx="0">
+            <a:schemeClr val="accent1"/>
+          </a:effectRef>
+          <a:fontRef idx="minor">
+            <a:schemeClr val="tx1"/>
+          </a:fontRef>
+        </p:style>
+      </p:cxnSp>
+      <mc:AlternateContent xmlns:mc="http://schemas.openxmlformats.org/markup-compatibility/2006">
+        <mc:Choice xmlns:a14="http://schemas.microsoft.com/office/drawing/2010/main" Requires="a14">
+          <p:sp>
+            <p:nvSpPr>
+              <p:cNvPr id="11" name="ZoneTexte 10">
+                <a:extLst>
+                  <a:ext uri="{FF2B5EF4-FFF2-40B4-BE49-F238E27FC236}">
+                    <a16:creationId xmlns:a16="http://schemas.microsoft.com/office/drawing/2014/main" id="{B465326D-0A17-4A22-B3A6-78115656F908}"/>
+                  </a:ext>
+                </a:extLst>
+              </p:cNvPr>
+              <p:cNvSpPr txBox="1"/>
+              <p:nvPr/>
+            </p:nvSpPr>
+            <p:spPr>
+              <a:xfrm>
+                <a:off x="10429212" y="3241434"/>
+                <a:ext cx="1382483" cy="261610"/>
+              </a:xfrm>
+              <a:prstGeom prst="rect">
+                <a:avLst/>
+              </a:prstGeom>
+              <a:noFill/>
+            </p:spPr>
+            <p:txBody>
+              <a:bodyPr wrap="square" rtlCol="0">
+                <a:spAutoFit/>
+              </a:bodyPr>
+              <a:lstStyle/>
+              <a:p>
+                <a:pPr/>
+                <a14:m>
+                  <m:oMathPara xmlns:m="http://schemas.openxmlformats.org/officeDocument/2006/math">
+                    <m:oMathParaPr>
+                      <m:jc m:val="centerGroup"/>
+                    </m:oMathParaPr>
+                    <m:oMath xmlns:m="http://schemas.openxmlformats.org/officeDocument/2006/math">
+                      <m:sSub>
+                        <m:sSubPr>
+                          <m:ctrlPr>
+                            <a:rPr lang="fr-FR" sz="1100" b="0" i="1" smtClean="0">
+                              <a:latin typeface="Cambria Math" panose="02040503050406030204" pitchFamily="18" charset="0"/>
+                            </a:rPr>
+                          </m:ctrlPr>
+                        </m:sSubPr>
+                        <m:e>
+                          <m:r>
+                            <a:rPr lang="fr-FR" sz="1100" b="0" i="1" smtClean="0">
+                              <a:latin typeface="Cambria Math" panose="02040503050406030204" pitchFamily="18" charset="0"/>
+                            </a:rPr>
+                            <m:t>𝑠</m:t>
+                          </m:r>
+                        </m:e>
+                        <m:sub>
+                          <m:r>
+                            <a:rPr lang="fr-FR" sz="1100" b="0" i="1" smtClean="0">
+                              <a:latin typeface="Cambria Math" panose="02040503050406030204" pitchFamily="18" charset="0"/>
+                            </a:rPr>
+                            <m:t>∞</m:t>
+                          </m:r>
+                        </m:sub>
+                      </m:sSub>
+                      <m:r>
+                        <a:rPr lang="fr-FR" sz="1100" b="0" i="1" smtClean="0">
+                          <a:latin typeface="Cambria Math" panose="02040503050406030204" pitchFamily="18" charset="0"/>
+                        </a:rPr>
+                        <m:t>=1,25</m:t>
+                      </m:r>
+                    </m:oMath>
+                  </m:oMathPara>
+                </a14:m>
+                <a:endParaRPr lang="fr-FR" sz="1100" dirty="0"/>
+              </a:p>
+            </p:txBody>
+          </p:sp>
+        </mc:Choice>
+        <mc:Fallback>
+          <p:sp>
+            <p:nvSpPr>
+              <p:cNvPr id="11" name="ZoneTexte 10">
+                <a:extLst>
+                  <a:ext uri="{FF2B5EF4-FFF2-40B4-BE49-F238E27FC236}">
+                    <a16:creationId xmlns:a16="http://schemas.microsoft.com/office/drawing/2014/main" id="{B465326D-0A17-4A22-B3A6-78115656F908}"/>
+                  </a:ext>
+                </a:extLst>
+              </p:cNvPr>
+              <p:cNvSpPr txBox="1">
+                <a:spLocks noRot="1" noChangeAspect="1" noMove="1" noResize="1" noEditPoints="1" noAdjustHandles="1" noChangeArrowheads="1" noChangeShapeType="1" noTextEdit="1"/>
+              </p:cNvSpPr>
+              <p:nvPr/>
+            </p:nvSpPr>
+            <p:spPr>
+              <a:xfrm>
+                <a:off x="10429212" y="3241434"/>
+                <a:ext cx="1382483" cy="261610"/>
+              </a:xfrm>
+              <a:prstGeom prst="rect">
+                <a:avLst/>
+              </a:prstGeom>
+              <a:blipFill>
+                <a:blip r:embed="rId3"/>
+                <a:stretch>
+                  <a:fillRect/>
+                </a:stretch>
+              </a:blipFill>
+            </p:spPr>
+            <p:txBody>
+              <a:bodyPr/>
+              <a:lstStyle/>
+              <a:p>
+                <a:r>
+                  <a:rPr lang="fr-FR">
+                    <a:noFill/>
+                  </a:rPr>
+                  <a:t> </a:t>
+                </a:r>
+              </a:p>
+            </p:txBody>
+          </p:sp>
+        </mc:Fallback>
+      </mc:AlternateContent>
+      <p:sp>
+        <p:nvSpPr>
+          <p:cNvPr id="2" name="Rectangle 1"/>
+          <p:cNvSpPr/>
+          <p:nvPr/>
+        </p:nvSpPr>
+        <p:spPr>
+          <a:xfrm>
+            <a:off x="1839686" y="3176298"/>
+            <a:ext cx="8804169" cy="415986"/>
+          </a:xfrm>
+          <a:prstGeom prst="rect">
+            <a:avLst/>
+          </a:prstGeom>
+          <a:solidFill>
+            <a:schemeClr val="accent6">
+              <a:lumMod val="20000"/>
+              <a:lumOff val="80000"/>
+              <a:alpha val="40000"/>
+            </a:schemeClr>
+          </a:solidFill>
+        </p:spPr>
+        <p:style>
+          <a:lnRef idx="2">
+            <a:schemeClr val="accent1">
+              <a:shade val="50000"/>
+            </a:schemeClr>
+          </a:lnRef>
+          <a:fillRef idx="1">
+            <a:schemeClr val="accent1"/>
+          </a:fillRef>
+          <a:effectRef idx="0">
+            <a:schemeClr val="accent1"/>
+          </a:effectRef>
+          <a:fontRef idx="minor">
+            <a:schemeClr val="lt1"/>
+          </a:fontRef>
+        </p:style>
+        <p:txBody>
+          <a:bodyPr rtlCol="0" anchor="ctr"/>
+          <a:lstStyle/>
+          <a:p>
+            <a:pPr algn="ctr"/>
+            <a:endParaRPr lang="fr-FR"/>
+          </a:p>
+        </p:txBody>
+      </p:sp>
+      <p:cxnSp>
+        <p:nvCxnSpPr>
+          <p:cNvPr id="19" name="Connecteur droit 18">
+            <a:extLst>
+              <a:ext uri="{FF2B5EF4-FFF2-40B4-BE49-F238E27FC236}">
+                <a16:creationId xmlns:a16="http://schemas.microsoft.com/office/drawing/2014/main" id="{55A9ABBA-4606-4FDC-7D1F-F9646851DDDD}"/>
+              </a:ext>
+            </a:extLst>
+          </p:cNvPr>
+          <p:cNvCxnSpPr>
+            <a:cxnSpLocks/>
+          </p:cNvCxnSpPr>
+          <p:nvPr/>
+        </p:nvCxnSpPr>
+        <p:spPr>
+          <a:xfrm>
+            <a:off x="1839686" y="3592284"/>
+            <a:ext cx="8804169" cy="0"/>
+          </a:xfrm>
+          <a:prstGeom prst="line">
+            <a:avLst/>
+          </a:prstGeom>
+          <a:ln w="19050">
+            <a:solidFill>
+              <a:srgbClr val="00B050"/>
+            </a:solidFill>
+          </a:ln>
+        </p:spPr>
+        <p:style>
+          <a:lnRef idx="1">
+            <a:schemeClr val="accent1"/>
+          </a:lnRef>
+          <a:fillRef idx="0">
+            <a:schemeClr val="accent1"/>
+          </a:fillRef>
+          <a:effectRef idx="0">
+            <a:schemeClr val="accent1"/>
+          </a:effectRef>
+          <a:fontRef idx="minor">
+            <a:schemeClr val="tx1"/>
+          </a:fontRef>
+        </p:style>
+      </p:cxnSp>
+      <mc:AlternateContent xmlns:mc="http://schemas.openxmlformats.org/markup-compatibility/2006">
+        <mc:Choice xmlns:a14="http://schemas.microsoft.com/office/drawing/2010/main" Requires="a14">
+          <p:sp>
+            <p:nvSpPr>
+              <p:cNvPr id="20" name="ZoneTexte 19">
+                <a:extLst>
+                  <a:ext uri="{FF2B5EF4-FFF2-40B4-BE49-F238E27FC236}">
+                    <a16:creationId xmlns:a16="http://schemas.microsoft.com/office/drawing/2014/main" id="{B465326D-0A17-4A22-B3A6-78115656F908}"/>
+                  </a:ext>
+                </a:extLst>
+              </p:cNvPr>
+              <p:cNvSpPr txBox="1"/>
+              <p:nvPr/>
+            </p:nvSpPr>
+            <p:spPr>
+              <a:xfrm>
+                <a:off x="10556772" y="3461479"/>
+                <a:ext cx="1382483" cy="261610"/>
+              </a:xfrm>
+              <a:prstGeom prst="rect">
+                <a:avLst/>
+              </a:prstGeom>
+              <a:noFill/>
+            </p:spPr>
+            <p:txBody>
+              <a:bodyPr wrap="square" rtlCol="0">
+                <a:spAutoFit/>
+              </a:bodyPr>
+              <a:lstStyle/>
+              <a:p>
+                <a:pPr/>
+                <a14:m>
+                  <m:oMathPara xmlns:m="http://schemas.openxmlformats.org/officeDocument/2006/math">
+                    <m:oMathParaPr>
+                      <m:jc m:val="centerGroup"/>
+                    </m:oMathParaPr>
+                    <m:oMath xmlns:m="http://schemas.openxmlformats.org/officeDocument/2006/math">
+                      <m:sSub>
+                        <m:sSubPr>
+                          <m:ctrlPr>
+                            <a:rPr lang="fr-FR" sz="1100" b="0" i="1" smtClean="0">
+                              <a:latin typeface="Cambria Math" panose="02040503050406030204" pitchFamily="18" charset="0"/>
+                            </a:rPr>
+                          </m:ctrlPr>
+                        </m:sSubPr>
+                        <m:e>
+                          <m:r>
+                            <a:rPr lang="fr-FR" sz="1100" b="0" i="1" smtClean="0">
+                              <a:latin typeface="Cambria Math" panose="02040503050406030204" pitchFamily="18" charset="0"/>
+                            </a:rPr>
+                            <m:t>0,95</m:t>
+                          </m:r>
+                          <m:r>
+                            <a:rPr lang="fr-FR" sz="1100" b="0" i="1" smtClean="0">
+                              <a:latin typeface="Cambria Math" panose="02040503050406030204" pitchFamily="18" charset="0"/>
+                            </a:rPr>
+                            <m:t>⋅</m:t>
+                          </m:r>
+                          <m:r>
+                            <a:rPr lang="fr-FR" sz="1100" b="0" i="1" smtClean="0">
+                              <a:latin typeface="Cambria Math" panose="02040503050406030204" pitchFamily="18" charset="0"/>
+                            </a:rPr>
+                            <m:t>𝑠</m:t>
+                          </m:r>
+                        </m:e>
+                        <m:sub>
+                          <m:r>
+                            <a:rPr lang="fr-FR" sz="1100" b="0" i="1" smtClean="0">
+                              <a:latin typeface="Cambria Math" panose="02040503050406030204" pitchFamily="18" charset="0"/>
+                            </a:rPr>
+                            <m:t>∞</m:t>
+                          </m:r>
+                        </m:sub>
+                      </m:sSub>
+                      <m:r>
+                        <a:rPr lang="fr-FR" sz="1100" b="0" i="1" smtClean="0">
+                          <a:latin typeface="Cambria Math" panose="02040503050406030204" pitchFamily="18" charset="0"/>
+                        </a:rPr>
+                        <m:t>=1,</m:t>
+                      </m:r>
+                      <m:r>
+                        <a:rPr lang="fr-FR" sz="1100" b="0" i="1" smtClean="0">
+                          <a:latin typeface="Cambria Math" panose="02040503050406030204" pitchFamily="18" charset="0"/>
+                        </a:rPr>
+                        <m:t>19</m:t>
+                      </m:r>
+                    </m:oMath>
+                  </m:oMathPara>
+                </a14:m>
+                <a:endParaRPr lang="fr-FR" sz="1100" dirty="0"/>
+              </a:p>
+            </p:txBody>
+          </p:sp>
+        </mc:Choice>
+        <mc:Fallback>
+          <p:sp>
+            <p:nvSpPr>
+              <p:cNvPr id="20" name="ZoneTexte 19">
+                <a:extLst>
+                  <a:ext uri="{FF2B5EF4-FFF2-40B4-BE49-F238E27FC236}">
+                    <a16:creationId xmlns:a16="http://schemas.microsoft.com/office/drawing/2014/main" id="{B465326D-0A17-4A22-B3A6-78115656F908}"/>
+                  </a:ext>
+                </a:extLst>
+              </p:cNvPr>
+              <p:cNvSpPr txBox="1">
+                <a:spLocks noRot="1" noChangeAspect="1" noMove="1" noResize="1" noEditPoints="1" noAdjustHandles="1" noChangeArrowheads="1" noChangeShapeType="1" noTextEdit="1"/>
+              </p:cNvSpPr>
+              <p:nvPr/>
+            </p:nvSpPr>
+            <p:spPr>
+              <a:xfrm>
+                <a:off x="10556772" y="3461479"/>
+                <a:ext cx="1382483" cy="261610"/>
+              </a:xfrm>
+              <a:prstGeom prst="rect">
+                <a:avLst/>
+              </a:prstGeom>
+              <a:blipFill>
+                <a:blip r:embed="rId4"/>
+                <a:stretch>
+                  <a:fillRect/>
+                </a:stretch>
+              </a:blipFill>
+            </p:spPr>
+            <p:txBody>
+              <a:bodyPr/>
+              <a:lstStyle/>
+              <a:p>
+                <a:r>
+                  <a:rPr lang="fr-FR">
+                    <a:noFill/>
+                  </a:rPr>
+                  <a:t> </a:t>
+                </a:r>
+              </a:p>
+            </p:txBody>
+          </p:sp>
+        </mc:Fallback>
+      </mc:AlternateContent>
+      <p:cxnSp>
+        <p:nvCxnSpPr>
+          <p:cNvPr id="23" name="Connecteur droit 22">
+            <a:extLst>
+              <a:ext uri="{FF2B5EF4-FFF2-40B4-BE49-F238E27FC236}">
+                <a16:creationId xmlns:a16="http://schemas.microsoft.com/office/drawing/2014/main" id="{55A9ABBA-4606-4FDC-7D1F-F9646851DDDD}"/>
+              </a:ext>
+            </a:extLst>
+          </p:cNvPr>
+          <p:cNvCxnSpPr>
+            <a:cxnSpLocks/>
+          </p:cNvCxnSpPr>
+          <p:nvPr/>
+        </p:nvCxnSpPr>
+        <p:spPr>
+          <a:xfrm>
+            <a:off x="1839686" y="3176298"/>
+            <a:ext cx="8804169" cy="0"/>
+          </a:xfrm>
+          <a:prstGeom prst="line">
+            <a:avLst/>
+          </a:prstGeom>
+          <a:ln w="19050">
+            <a:solidFill>
+              <a:srgbClr val="00B050"/>
+            </a:solidFill>
+          </a:ln>
+        </p:spPr>
+        <p:style>
+          <a:lnRef idx="1">
+            <a:schemeClr val="accent1"/>
+          </a:lnRef>
+          <a:fillRef idx="0">
+            <a:schemeClr val="accent1"/>
+          </a:fillRef>
+          <a:effectRef idx="0">
+            <a:schemeClr val="accent1"/>
+          </a:effectRef>
+          <a:fontRef idx="minor">
+            <a:schemeClr val="tx1"/>
+          </a:fontRef>
+        </p:style>
+      </p:cxnSp>
+      <mc:AlternateContent xmlns:mc="http://schemas.openxmlformats.org/markup-compatibility/2006">
+        <mc:Choice xmlns:a14="http://schemas.microsoft.com/office/drawing/2010/main" Requires="a14">
+          <p:sp>
+            <p:nvSpPr>
+              <p:cNvPr id="25" name="ZoneTexte 24">
+                <a:extLst>
+                  <a:ext uri="{FF2B5EF4-FFF2-40B4-BE49-F238E27FC236}">
+                    <a16:creationId xmlns:a16="http://schemas.microsoft.com/office/drawing/2014/main" id="{B465326D-0A17-4A22-B3A6-78115656F908}"/>
+                  </a:ext>
+                </a:extLst>
+              </p:cNvPr>
+              <p:cNvSpPr txBox="1"/>
+              <p:nvPr/>
+            </p:nvSpPr>
+            <p:spPr>
+              <a:xfrm>
+                <a:off x="10429212" y="3060145"/>
+                <a:ext cx="1382483" cy="261610"/>
+              </a:xfrm>
+              <a:prstGeom prst="rect">
+                <a:avLst/>
+              </a:prstGeom>
+              <a:noFill/>
+            </p:spPr>
+            <p:txBody>
+              <a:bodyPr wrap="square" rtlCol="0">
+                <a:spAutoFit/>
+              </a:bodyPr>
+              <a:lstStyle/>
+              <a:p>
+                <a:pPr/>
+                <a14:m>
+                  <m:oMathPara xmlns:m="http://schemas.openxmlformats.org/officeDocument/2006/math">
+                    <m:oMathParaPr>
+                      <m:jc m:val="centerGroup"/>
+                    </m:oMathParaPr>
+                    <m:oMath xmlns:m="http://schemas.openxmlformats.org/officeDocument/2006/math">
+                      <m:sSub>
+                        <m:sSubPr>
+                          <m:ctrlPr>
+                            <a:rPr lang="fr-FR" sz="1100" b="0" i="1" smtClean="0">
+                              <a:latin typeface="Cambria Math" panose="02040503050406030204" pitchFamily="18" charset="0"/>
+                            </a:rPr>
+                          </m:ctrlPr>
+                        </m:sSubPr>
+                        <m:e>
+                          <m:r>
+                            <a:rPr lang="fr-FR" sz="1100" b="0" i="1" smtClean="0">
+                              <a:latin typeface="Cambria Math" panose="02040503050406030204" pitchFamily="18" charset="0"/>
+                            </a:rPr>
+                            <m:t>𝑠</m:t>
+                          </m:r>
+                        </m:e>
+                        <m:sub>
+                          <m:r>
+                            <a:rPr lang="fr-FR" sz="1100" b="0" i="1" smtClean="0">
+                              <a:latin typeface="Cambria Math" panose="02040503050406030204" pitchFamily="18" charset="0"/>
+                            </a:rPr>
+                            <m:t>∞</m:t>
+                          </m:r>
+                        </m:sub>
+                      </m:sSub>
+                      <m:r>
+                        <a:rPr lang="fr-FR" sz="1100" b="0" i="1" smtClean="0">
+                          <a:latin typeface="Cambria Math" panose="02040503050406030204" pitchFamily="18" charset="0"/>
+                        </a:rPr>
+                        <m:t>=</m:t>
+                      </m:r>
+                      <m:r>
+                        <a:rPr lang="fr-FR" sz="1100" b="0" i="1" smtClean="0">
+                          <a:latin typeface="Cambria Math" panose="02040503050406030204" pitchFamily="18" charset="0"/>
+                        </a:rPr>
+                        <m:t>1,31</m:t>
+                      </m:r>
+                    </m:oMath>
+                  </m:oMathPara>
+                </a14:m>
+                <a:endParaRPr lang="fr-FR" sz="1100" dirty="0"/>
+              </a:p>
+            </p:txBody>
+          </p:sp>
+        </mc:Choice>
+        <mc:Fallback>
+          <p:sp>
+            <p:nvSpPr>
+              <p:cNvPr id="25" name="ZoneTexte 24">
+                <a:extLst>
+                  <a:ext uri="{FF2B5EF4-FFF2-40B4-BE49-F238E27FC236}">
+                    <a16:creationId xmlns:a16="http://schemas.microsoft.com/office/drawing/2014/main" id="{B465326D-0A17-4A22-B3A6-78115656F908}"/>
+                  </a:ext>
+                </a:extLst>
+              </p:cNvPr>
+              <p:cNvSpPr txBox="1">
+                <a:spLocks noRot="1" noChangeAspect="1" noMove="1" noResize="1" noEditPoints="1" noAdjustHandles="1" noChangeArrowheads="1" noChangeShapeType="1" noTextEdit="1"/>
+              </p:cNvSpPr>
+              <p:nvPr/>
+            </p:nvSpPr>
+            <p:spPr>
+              <a:xfrm>
+                <a:off x="10429212" y="3060145"/>
+                <a:ext cx="1382483" cy="261610"/>
+              </a:xfrm>
+              <a:prstGeom prst="rect">
+                <a:avLst/>
+              </a:prstGeom>
+              <a:blipFill>
+                <a:blip r:embed="rId5"/>
+                <a:stretch>
+                  <a:fillRect/>
+                </a:stretch>
+              </a:blipFill>
+            </p:spPr>
+            <p:txBody>
+              <a:bodyPr/>
+              <a:lstStyle/>
+              <a:p>
+                <a:r>
+                  <a:rPr lang="fr-FR">
+                    <a:noFill/>
+                  </a:rPr>
+                  <a:t> </a:t>
+                </a:r>
+              </a:p>
+            </p:txBody>
+          </p:sp>
+        </mc:Fallback>
+      </mc:AlternateContent>
+      <p:cxnSp>
+        <p:nvCxnSpPr>
+          <p:cNvPr id="27" name="Connecteur droit 26">
+            <a:extLst>
+              <a:ext uri="{FF2B5EF4-FFF2-40B4-BE49-F238E27FC236}">
+                <a16:creationId xmlns:a16="http://schemas.microsoft.com/office/drawing/2014/main" id="{5BE66868-2A2B-D2EA-6DB5-55A17223969E}"/>
+              </a:ext>
+            </a:extLst>
+          </p:cNvPr>
+          <p:cNvCxnSpPr>
+            <a:cxnSpLocks/>
+          </p:cNvCxnSpPr>
+          <p:nvPr/>
+        </p:nvCxnSpPr>
+        <p:spPr>
+          <a:xfrm flipH="1">
+            <a:off x="1839687" y="5203371"/>
+            <a:ext cx="2819399" cy="0"/>
+          </a:xfrm>
+          <a:prstGeom prst="line">
+            <a:avLst/>
+          </a:prstGeom>
+          <a:ln w="28575">
+            <a:solidFill>
+              <a:srgbClr val="00B050"/>
+            </a:solidFill>
+            <a:headEnd type="stealth" w="med" len="lg"/>
+            <a:tailEnd type="stealth" w="med" len="lg"/>
+          </a:ln>
+        </p:spPr>
+        <p:style>
+          <a:lnRef idx="1">
+            <a:schemeClr val="accent1"/>
+          </a:lnRef>
+          <a:fillRef idx="0">
+            <a:schemeClr val="accent1"/>
+          </a:fillRef>
+          <a:effectRef idx="0">
+            <a:schemeClr val="accent1"/>
+          </a:effectRef>
+          <a:fontRef idx="minor">
+            <a:schemeClr val="tx1"/>
+          </a:fontRef>
+        </p:style>
+      </p:cxnSp>
+      <p:cxnSp>
+        <p:nvCxnSpPr>
+          <p:cNvPr id="29" name="Connecteur droit 28">
+            <a:extLst>
+              <a:ext uri="{FF2B5EF4-FFF2-40B4-BE49-F238E27FC236}">
+                <a16:creationId xmlns:a16="http://schemas.microsoft.com/office/drawing/2014/main" id="{55A9ABBA-4606-4FDC-7D1F-F9646851DDDD}"/>
+              </a:ext>
+            </a:extLst>
+          </p:cNvPr>
+          <p:cNvCxnSpPr>
+            <a:cxnSpLocks/>
+          </p:cNvCxnSpPr>
+          <p:nvPr/>
+        </p:nvCxnSpPr>
+        <p:spPr>
+          <a:xfrm>
+            <a:off x="4659086" y="3592284"/>
+            <a:ext cx="0" cy="2198916"/>
+          </a:xfrm>
+          <a:prstGeom prst="line">
+            <a:avLst/>
+          </a:prstGeom>
+          <a:ln w="19050">
+            <a:solidFill>
+              <a:srgbClr val="00B050"/>
+            </a:solidFill>
+          </a:ln>
+        </p:spPr>
+        <p:style>
+          <a:lnRef idx="1">
+            <a:schemeClr val="accent1"/>
+          </a:lnRef>
+          <a:fillRef idx="0">
+            <a:schemeClr val="accent1"/>
+          </a:fillRef>
+          <a:effectRef idx="0">
+            <a:schemeClr val="accent1"/>
+          </a:effectRef>
+          <a:fontRef idx="minor">
+            <a:schemeClr val="tx1"/>
+          </a:fontRef>
+        </p:style>
+      </p:cxnSp>
+      <mc:AlternateContent xmlns:mc="http://schemas.openxmlformats.org/markup-compatibility/2006">
+        <mc:Choice xmlns:a14="http://schemas.microsoft.com/office/drawing/2010/main" Requires="a14">
+          <p:sp>
+            <p:nvSpPr>
+              <p:cNvPr id="30" name="ZoneTexte 29">
+                <a:extLst>
+                  <a:ext uri="{FF2B5EF4-FFF2-40B4-BE49-F238E27FC236}">
+                    <a16:creationId xmlns:a16="http://schemas.microsoft.com/office/drawing/2014/main" id="{B465326D-0A17-4A22-B3A6-78115656F908}"/>
+                  </a:ext>
+                </a:extLst>
+              </p:cNvPr>
+              <p:cNvSpPr txBox="1"/>
+              <p:nvPr/>
+            </p:nvSpPr>
+            <p:spPr>
+              <a:xfrm>
+                <a:off x="2697286" y="4860294"/>
+                <a:ext cx="1382483" cy="307777"/>
+              </a:xfrm>
+              <a:prstGeom prst="rect">
+                <a:avLst/>
+              </a:prstGeom>
+              <a:noFill/>
+            </p:spPr>
+            <p:txBody>
+              <a:bodyPr wrap="square" rtlCol="0">
+                <a:spAutoFit/>
+              </a:bodyPr>
+              <a:lstStyle/>
+              <a:p>
+                <a:pPr/>
+                <a14:m>
+                  <m:oMathPara xmlns:m="http://schemas.openxmlformats.org/officeDocument/2006/math">
+                    <m:oMathParaPr>
+                      <m:jc m:val="centerGroup"/>
+                    </m:oMathParaPr>
+                    <m:oMath xmlns:m="http://schemas.openxmlformats.org/officeDocument/2006/math">
+                      <m:sSub>
+                        <m:sSubPr>
+                          <m:ctrlPr>
+                            <a:rPr lang="fr-FR" sz="1400" b="0" i="1" smtClean="0">
+                              <a:latin typeface="Cambria Math" panose="02040503050406030204" pitchFamily="18" charset="0"/>
+                            </a:rPr>
+                          </m:ctrlPr>
+                        </m:sSubPr>
+                        <m:e>
+                          <m:r>
+                            <a:rPr lang="fr-FR" sz="1400" b="0" i="1" smtClean="0">
+                              <a:latin typeface="Cambria Math" panose="02040503050406030204" pitchFamily="18" charset="0"/>
+                            </a:rPr>
+                            <m:t>𝑇</m:t>
+                          </m:r>
+                        </m:e>
+                        <m:sub>
+                          <m:r>
+                            <a:rPr lang="fr-FR" sz="1400" b="0" i="1" smtClean="0">
+                              <a:latin typeface="Cambria Math" panose="02040503050406030204" pitchFamily="18" charset="0"/>
+                            </a:rPr>
+                            <m:t>5%</m:t>
+                          </m:r>
+                        </m:sub>
+                      </m:sSub>
+                      <m:r>
+                        <a:rPr lang="fr-FR" sz="1400" b="0" i="1" smtClean="0">
+                          <a:latin typeface="Cambria Math" panose="02040503050406030204" pitchFamily="18" charset="0"/>
+                        </a:rPr>
+                        <m:t>=0,51 </m:t>
+                      </m:r>
+                      <m:r>
+                        <a:rPr lang="fr-FR" sz="1400" b="0" i="1" smtClean="0">
+                          <a:latin typeface="Cambria Math" panose="02040503050406030204" pitchFamily="18" charset="0"/>
+                        </a:rPr>
+                        <m:t>𝑠</m:t>
+                      </m:r>
+                    </m:oMath>
+                  </m:oMathPara>
+                </a14:m>
+                <a:endParaRPr lang="fr-FR" sz="1400" dirty="0"/>
+              </a:p>
+            </p:txBody>
+          </p:sp>
+        </mc:Choice>
+        <mc:Fallback>
+          <p:sp>
+            <p:nvSpPr>
+              <p:cNvPr id="30" name="ZoneTexte 29">
+                <a:extLst>
+                  <a:ext uri="{FF2B5EF4-FFF2-40B4-BE49-F238E27FC236}">
+                    <a16:creationId xmlns:a16="http://schemas.microsoft.com/office/drawing/2014/main" id="{B465326D-0A17-4A22-B3A6-78115656F908}"/>
+                  </a:ext>
+                </a:extLst>
+              </p:cNvPr>
+              <p:cNvSpPr txBox="1">
+                <a:spLocks noRot="1" noChangeAspect="1" noMove="1" noResize="1" noEditPoints="1" noAdjustHandles="1" noChangeArrowheads="1" noChangeShapeType="1" noTextEdit="1"/>
+              </p:cNvSpPr>
+              <p:nvPr/>
+            </p:nvSpPr>
+            <p:spPr>
+              <a:xfrm>
+                <a:off x="2697286" y="4860294"/>
+                <a:ext cx="1382483" cy="307777"/>
+              </a:xfrm>
+              <a:prstGeom prst="rect">
+                <a:avLst/>
+              </a:prstGeom>
+              <a:blipFill>
+                <a:blip r:embed="rId6"/>
+                <a:stretch>
+                  <a:fillRect/>
+                </a:stretch>
+              </a:blipFill>
+            </p:spPr>
+            <p:txBody>
+              <a:bodyPr/>
+              <a:lstStyle/>
+              <a:p>
+                <a:r>
+                  <a:rPr lang="fr-FR">
+                    <a:noFill/>
+                  </a:rPr>
+                  <a:t> </a:t>
+                </a:r>
+              </a:p>
+            </p:txBody>
+          </p:sp>
+        </mc:Fallback>
+      </mc:AlternateContent>
+    </p:spTree>
+    <p:extLst>
+      <p:ext uri="{BB962C8B-B14F-4D97-AF65-F5344CB8AC3E}">
+        <p14:creationId xmlns:p14="http://schemas.microsoft.com/office/powerpoint/2010/main" val="1376191368"/>
+      </p:ext>
+    </p:extLst>
+  </p:cSld>
+  <p:clrMapOvr>
+    <a:masterClrMapping/>
+  </p:clrMapOvr>
+</p:sld>
+</file>
+
+<file path=ppt/slides/slide4.xml><?xml version="1.0" encoding="utf-8"?>
 <p:sld xmlns:a="http://schemas.openxmlformats.org/drawingml/2006/main" xmlns:r="http://schemas.openxmlformats.org/officeDocument/2006/relationships" xmlns:p="http://schemas.openxmlformats.org/presentationml/2006/main">
   <p:cSld>
     <p:spTree>
@@ -5508,10 +6362,807 @@
           </a:p>
         </p:txBody>
       </p:sp>
+      <p:sp>
+        <p:nvSpPr>
+          <p:cNvPr id="5" name="Espace réservé du contenu 2">
+            <a:extLst>
+              <a:ext uri="{FF2B5EF4-FFF2-40B4-BE49-F238E27FC236}">
+                <a16:creationId xmlns:a16="http://schemas.microsoft.com/office/drawing/2014/main" id="{382ADE19-2C26-5F9D-1468-A034750F8BFB}"/>
+              </a:ext>
+            </a:extLst>
+          </p:cNvPr>
+          <p:cNvSpPr txBox="1">
+            <a:spLocks/>
+          </p:cNvSpPr>
+          <p:nvPr/>
+        </p:nvSpPr>
+        <p:spPr>
+          <a:xfrm>
+            <a:off x="8591750" y="1825625"/>
+            <a:ext cx="3678044" cy="4351338"/>
+          </a:xfrm>
+          <a:prstGeom prst="rect">
+            <a:avLst/>
+          </a:prstGeom>
+        </p:spPr>
+        <p:txBody>
+          <a:bodyPr vert="horz" lIns="91440" tIns="45720" rIns="91440" bIns="45720" rtlCol="0">
+            <a:normAutofit/>
+          </a:bodyPr>
+          <a:lstStyle>
+            <a:lvl1pPr marL="228600" indent="-228600" algn="l" defTabSz="914400" rtl="0" eaLnBrk="1" latinLnBrk="0" hangingPunct="1">
+              <a:lnSpc>
+                <a:spcPct val="90000"/>
+              </a:lnSpc>
+              <a:spcBef>
+                <a:spcPts val="1000"/>
+              </a:spcBef>
+              <a:buFont typeface="Arial" panose="020B0604020202020204" pitchFamily="34" charset="0"/>
+              <a:buChar char="•"/>
+              <a:defRPr sz="2800" kern="1200">
+                <a:solidFill>
+                  <a:schemeClr val="tx1"/>
+                </a:solidFill>
+                <a:latin typeface="+mn-lt"/>
+                <a:ea typeface="+mn-ea"/>
+                <a:cs typeface="+mn-cs"/>
+              </a:defRPr>
+            </a:lvl1pPr>
+            <a:lvl2pPr marL="685800" indent="-228600" algn="l" defTabSz="914400" rtl="0" eaLnBrk="1" latinLnBrk="0" hangingPunct="1">
+              <a:lnSpc>
+                <a:spcPct val="90000"/>
+              </a:lnSpc>
+              <a:spcBef>
+                <a:spcPts val="500"/>
+              </a:spcBef>
+              <a:buFont typeface="Arial" panose="020B0604020202020204" pitchFamily="34" charset="0"/>
+              <a:buChar char="•"/>
+              <a:defRPr sz="2400" kern="1200">
+                <a:solidFill>
+                  <a:schemeClr val="tx1"/>
+                </a:solidFill>
+                <a:latin typeface="+mn-lt"/>
+                <a:ea typeface="+mn-ea"/>
+                <a:cs typeface="+mn-cs"/>
+              </a:defRPr>
+            </a:lvl2pPr>
+            <a:lvl3pPr marL="1143000" indent="-228600" algn="l" defTabSz="914400" rtl="0" eaLnBrk="1" latinLnBrk="0" hangingPunct="1">
+              <a:lnSpc>
+                <a:spcPct val="90000"/>
+              </a:lnSpc>
+              <a:spcBef>
+                <a:spcPts val="500"/>
+              </a:spcBef>
+              <a:buFont typeface="Arial" panose="020B0604020202020204" pitchFamily="34" charset="0"/>
+              <a:buChar char="•"/>
+              <a:defRPr sz="2000" kern="1200">
+                <a:solidFill>
+                  <a:schemeClr val="tx1"/>
+                </a:solidFill>
+                <a:latin typeface="+mn-lt"/>
+                <a:ea typeface="+mn-ea"/>
+                <a:cs typeface="+mn-cs"/>
+              </a:defRPr>
+            </a:lvl3pPr>
+            <a:lvl4pPr marL="1600200" indent="-228600" algn="l" defTabSz="914400" rtl="0" eaLnBrk="1" latinLnBrk="0" hangingPunct="1">
+              <a:lnSpc>
+                <a:spcPct val="90000"/>
+              </a:lnSpc>
+              <a:spcBef>
+                <a:spcPts val="500"/>
+              </a:spcBef>
+              <a:buFont typeface="Arial" panose="020B0604020202020204" pitchFamily="34" charset="0"/>
+              <a:buChar char="•"/>
+              <a:defRPr sz="1800" kern="1200">
+                <a:solidFill>
+                  <a:schemeClr val="tx1"/>
+                </a:solidFill>
+                <a:latin typeface="+mn-lt"/>
+                <a:ea typeface="+mn-ea"/>
+                <a:cs typeface="+mn-cs"/>
+              </a:defRPr>
+            </a:lvl4pPr>
+            <a:lvl5pPr marL="2057400" indent="-228600" algn="l" defTabSz="914400" rtl="0" eaLnBrk="1" latinLnBrk="0" hangingPunct="1">
+              <a:lnSpc>
+                <a:spcPct val="90000"/>
+              </a:lnSpc>
+              <a:spcBef>
+                <a:spcPts val="500"/>
+              </a:spcBef>
+              <a:buFont typeface="Arial" panose="020B0604020202020204" pitchFamily="34" charset="0"/>
+              <a:buChar char="•"/>
+              <a:defRPr sz="1800" kern="1200">
+                <a:solidFill>
+                  <a:schemeClr val="tx1"/>
+                </a:solidFill>
+                <a:latin typeface="+mn-lt"/>
+                <a:ea typeface="+mn-ea"/>
+                <a:cs typeface="+mn-cs"/>
+              </a:defRPr>
+            </a:lvl5pPr>
+            <a:lvl6pPr marL="2514600" indent="-228600" algn="l" defTabSz="914400" rtl="0" eaLnBrk="1" latinLnBrk="0" hangingPunct="1">
+              <a:lnSpc>
+                <a:spcPct val="90000"/>
+              </a:lnSpc>
+              <a:spcBef>
+                <a:spcPts val="500"/>
+              </a:spcBef>
+              <a:buFont typeface="Arial" panose="020B0604020202020204" pitchFamily="34" charset="0"/>
+              <a:buChar char="•"/>
+              <a:defRPr sz="1800" kern="1200">
+                <a:solidFill>
+                  <a:schemeClr val="tx1"/>
+                </a:solidFill>
+                <a:latin typeface="+mn-lt"/>
+                <a:ea typeface="+mn-ea"/>
+                <a:cs typeface="+mn-cs"/>
+              </a:defRPr>
+            </a:lvl6pPr>
+            <a:lvl7pPr marL="2971800" indent="-228600" algn="l" defTabSz="914400" rtl="0" eaLnBrk="1" latinLnBrk="0" hangingPunct="1">
+              <a:lnSpc>
+                <a:spcPct val="90000"/>
+              </a:lnSpc>
+              <a:spcBef>
+                <a:spcPts val="500"/>
+              </a:spcBef>
+              <a:buFont typeface="Arial" panose="020B0604020202020204" pitchFamily="34" charset="0"/>
+              <a:buChar char="•"/>
+              <a:defRPr sz="1800" kern="1200">
+                <a:solidFill>
+                  <a:schemeClr val="tx1"/>
+                </a:solidFill>
+                <a:latin typeface="+mn-lt"/>
+                <a:ea typeface="+mn-ea"/>
+                <a:cs typeface="+mn-cs"/>
+              </a:defRPr>
+            </a:lvl7pPr>
+            <a:lvl8pPr marL="3429000" indent="-228600" algn="l" defTabSz="914400" rtl="0" eaLnBrk="1" latinLnBrk="0" hangingPunct="1">
+              <a:lnSpc>
+                <a:spcPct val="90000"/>
+              </a:lnSpc>
+              <a:spcBef>
+                <a:spcPts val="500"/>
+              </a:spcBef>
+              <a:buFont typeface="Arial" panose="020B0604020202020204" pitchFamily="34" charset="0"/>
+              <a:buChar char="•"/>
+              <a:defRPr sz="1800" kern="1200">
+                <a:solidFill>
+                  <a:schemeClr val="tx1"/>
+                </a:solidFill>
+                <a:latin typeface="+mn-lt"/>
+                <a:ea typeface="+mn-ea"/>
+                <a:cs typeface="+mn-cs"/>
+              </a:defRPr>
+            </a:lvl8pPr>
+            <a:lvl9pPr marL="3886200" indent="-228600" algn="l" defTabSz="914400" rtl="0" eaLnBrk="1" latinLnBrk="0" hangingPunct="1">
+              <a:lnSpc>
+                <a:spcPct val="90000"/>
+              </a:lnSpc>
+              <a:spcBef>
+                <a:spcPts val="500"/>
+              </a:spcBef>
+              <a:buFont typeface="Arial" panose="020B0604020202020204" pitchFamily="34" charset="0"/>
+              <a:buChar char="•"/>
+              <a:defRPr sz="1800" kern="1200">
+                <a:solidFill>
+                  <a:schemeClr val="tx1"/>
+                </a:solidFill>
+                <a:latin typeface="+mn-lt"/>
+                <a:ea typeface="+mn-ea"/>
+                <a:cs typeface="+mn-cs"/>
+              </a:defRPr>
+            </a:lvl9pPr>
+          </a:lstStyle>
+          <a:p>
+            <a:r>
+              <a:rPr lang="fr-FR" dirty="0" smtClean="0"/>
+              <a:t>7,83 cm &gt;&gt; 0,51 s</a:t>
+            </a:r>
+          </a:p>
+          <a:p>
+            <a:r>
+              <a:rPr lang="fr-FR" dirty="0" smtClean="0"/>
+              <a:t>24,46cm &gt;&gt; 1,6 s </a:t>
+            </a:r>
+            <a:endParaRPr lang="fr-FR" dirty="0" smtClean="0"/>
+          </a:p>
+          <a:p>
+            <a:endParaRPr lang="fr-FR" dirty="0"/>
+          </a:p>
+        </p:txBody>
+      </p:sp>
     </p:spTree>
     <p:extLst>
       <p:ext uri="{BB962C8B-B14F-4D97-AF65-F5344CB8AC3E}">
         <p14:creationId xmlns:p14="http://schemas.microsoft.com/office/powerpoint/2010/main" val="4249386522"/>
+      </p:ext>
+    </p:extLst>
+  </p:cSld>
+  <p:clrMapOvr>
+    <a:masterClrMapping/>
+  </p:clrMapOvr>
+</p:sld>
+</file>
+
+<file path=ppt/slides/slide5.xml><?xml version="1.0" encoding="utf-8"?>
+<p:sld xmlns:a="http://schemas.openxmlformats.org/drawingml/2006/main" xmlns:r="http://schemas.openxmlformats.org/officeDocument/2006/relationships" xmlns:p="http://schemas.openxmlformats.org/presentationml/2006/main">
+  <p:cSld>
+    <p:spTree>
+      <p:nvGrpSpPr>
+        <p:cNvPr id="1" name=""/>
+        <p:cNvGrpSpPr/>
+        <p:nvPr/>
+      </p:nvGrpSpPr>
+      <p:grpSpPr>
+        <a:xfrm>
+          <a:off x="0" y="0"/>
+          <a:ext cx="0" cy="0"/>
+          <a:chOff x="0" y="0"/>
+          <a:chExt cx="0" cy="0"/>
+        </a:xfrm>
+      </p:grpSpPr>
+      <p:sp>
+        <p:nvSpPr>
+          <p:cNvPr id="2" name="Titre 1"/>
+          <p:cNvSpPr>
+            <a:spLocks noGrp="1"/>
+          </p:cNvSpPr>
+          <p:nvPr>
+            <p:ph type="title"/>
+          </p:nvPr>
+        </p:nvSpPr>
+        <p:spPr/>
+        <p:txBody>
+          <a:bodyPr/>
+          <a:lstStyle/>
+          <a:p>
+            <a:endParaRPr lang="fr-FR"/>
+          </a:p>
+        </p:txBody>
+      </p:sp>
+      <p:pic>
+        <p:nvPicPr>
+          <p:cNvPr id="4" name="Espace réservé du contenu 3"/>
+          <p:cNvPicPr>
+            <a:picLocks noGrp="1" noChangeAspect="1"/>
+          </p:cNvPicPr>
+          <p:nvPr>
+            <p:ph idx="1"/>
+          </p:nvPr>
+        </p:nvPicPr>
+        <p:blipFill>
+          <a:blip r:embed="rId2" cstate="print">
+            <a:extLst>
+              <a:ext uri="{28A0092B-C50C-407E-A947-70E740481C1C}">
+                <a14:useLocalDpi xmlns:a14="http://schemas.microsoft.com/office/drawing/2010/main" val="0"/>
+              </a:ext>
+            </a:extLst>
+          </a:blip>
+          <a:stretch>
+            <a:fillRect/>
+          </a:stretch>
+        </p:blipFill>
+        <p:spPr>
+          <a:xfrm>
+            <a:off x="1705866" y="2395927"/>
+            <a:ext cx="4484715" cy="2835592"/>
+          </a:xfrm>
+        </p:spPr>
+      </p:pic>
+      <p:pic>
+        <p:nvPicPr>
+          <p:cNvPr id="5" name="Image 4"/>
+          <p:cNvPicPr>
+            <a:picLocks noChangeAspect="1"/>
+          </p:cNvPicPr>
+          <p:nvPr/>
+        </p:nvPicPr>
+        <p:blipFill>
+          <a:blip r:embed="rId3" cstate="print">
+            <a:extLst>
+              <a:ext uri="{28A0092B-C50C-407E-A947-70E740481C1C}">
+                <a14:useLocalDpi xmlns:a14="http://schemas.microsoft.com/office/drawing/2010/main" val="0"/>
+              </a:ext>
+            </a:extLst>
+          </a:blip>
+          <a:stretch>
+            <a:fillRect/>
+          </a:stretch>
+        </p:blipFill>
+        <p:spPr>
+          <a:xfrm>
+            <a:off x="7785100" y="2464594"/>
+            <a:ext cx="3938916" cy="2835592"/>
+          </a:xfrm>
+          <a:prstGeom prst="rect">
+            <a:avLst/>
+          </a:prstGeom>
+        </p:spPr>
+      </p:pic>
+      <p:cxnSp>
+        <p:nvCxnSpPr>
+          <p:cNvPr id="7" name="Connecteur droit 6">
+            <a:extLst>
+              <a:ext uri="{FF2B5EF4-FFF2-40B4-BE49-F238E27FC236}">
+                <a16:creationId xmlns:a16="http://schemas.microsoft.com/office/drawing/2014/main" id="{DB62C279-0A9B-632F-F87B-434925DED786}"/>
+              </a:ext>
+            </a:extLst>
+          </p:cNvPr>
+          <p:cNvCxnSpPr>
+            <a:cxnSpLocks/>
+          </p:cNvCxnSpPr>
+          <p:nvPr/>
+        </p:nvCxnSpPr>
+        <p:spPr>
+          <a:xfrm flipH="1" flipV="1">
+            <a:off x="2278380" y="2948940"/>
+            <a:ext cx="2766060" cy="0"/>
+          </a:xfrm>
+          <a:prstGeom prst="line">
+            <a:avLst/>
+          </a:prstGeom>
+          <a:ln w="28575">
+            <a:solidFill>
+              <a:srgbClr val="FF0000"/>
+            </a:solidFill>
+            <a:headEnd type="stealth" w="med" len="lg"/>
+            <a:tailEnd type="none"/>
+          </a:ln>
+        </p:spPr>
+        <p:style>
+          <a:lnRef idx="1">
+            <a:schemeClr val="accent1"/>
+          </a:lnRef>
+          <a:fillRef idx="0">
+            <a:schemeClr val="accent1"/>
+          </a:fillRef>
+          <a:effectRef idx="0">
+            <a:schemeClr val="accent1"/>
+          </a:effectRef>
+          <a:fontRef idx="minor">
+            <a:schemeClr val="tx1"/>
+          </a:fontRef>
+        </p:style>
+      </p:cxnSp>
+      <p:cxnSp>
+        <p:nvCxnSpPr>
+          <p:cNvPr id="10" name="Connecteur droit 9">
+            <a:extLst>
+              <a:ext uri="{FF2B5EF4-FFF2-40B4-BE49-F238E27FC236}">
+                <a16:creationId xmlns:a16="http://schemas.microsoft.com/office/drawing/2014/main" id="{DB62C279-0A9B-632F-F87B-434925DED786}"/>
+              </a:ext>
+            </a:extLst>
+          </p:cNvPr>
+          <p:cNvCxnSpPr>
+            <a:cxnSpLocks/>
+          </p:cNvCxnSpPr>
+          <p:nvPr/>
+        </p:nvCxnSpPr>
+        <p:spPr>
+          <a:xfrm flipV="1">
+            <a:off x="5044440" y="2948940"/>
+            <a:ext cx="0" cy="1866900"/>
+          </a:xfrm>
+          <a:prstGeom prst="line">
+            <a:avLst/>
+          </a:prstGeom>
+          <a:ln w="28575">
+            <a:solidFill>
+              <a:srgbClr val="FF0000"/>
+            </a:solidFill>
+            <a:headEnd type="stealth" w="med" len="lg"/>
+            <a:tailEnd type="none"/>
+          </a:ln>
+        </p:spPr>
+        <p:style>
+          <a:lnRef idx="1">
+            <a:schemeClr val="accent1"/>
+          </a:lnRef>
+          <a:fillRef idx="0">
+            <a:schemeClr val="accent1"/>
+          </a:fillRef>
+          <a:effectRef idx="0">
+            <a:schemeClr val="accent1"/>
+          </a:effectRef>
+          <a:fontRef idx="minor">
+            <a:schemeClr val="tx1"/>
+          </a:fontRef>
+        </p:style>
+      </p:cxnSp>
+      <mc:AlternateContent xmlns:mc="http://schemas.openxmlformats.org/markup-compatibility/2006">
+        <mc:Choice xmlns:a14="http://schemas.microsoft.com/office/drawing/2010/main" Requires="a14">
+          <p:sp>
+            <p:nvSpPr>
+              <p:cNvPr id="12" name="ZoneTexte 11">
+                <a:extLst>
+                  <a:ext uri="{FF2B5EF4-FFF2-40B4-BE49-F238E27FC236}">
+                    <a16:creationId xmlns:a16="http://schemas.microsoft.com/office/drawing/2014/main" id="{B465326D-0A17-4A22-B3A6-78115656F908}"/>
+                  </a:ext>
+                </a:extLst>
+              </p:cNvPr>
+              <p:cNvSpPr txBox="1"/>
+              <p:nvPr/>
+            </p:nvSpPr>
+            <p:spPr>
+              <a:xfrm>
+                <a:off x="4353198" y="4815840"/>
+                <a:ext cx="1382484" cy="276999"/>
+              </a:xfrm>
+              <a:prstGeom prst="rect">
+                <a:avLst/>
+              </a:prstGeom>
+              <a:noFill/>
+            </p:spPr>
+            <p:txBody>
+              <a:bodyPr wrap="square" rtlCol="0">
+                <a:spAutoFit/>
+              </a:bodyPr>
+              <a:lstStyle/>
+              <a:p>
+                <a:pPr/>
+                <a14:m>
+                  <m:oMathPara xmlns:m="http://schemas.openxmlformats.org/officeDocument/2006/math">
+                    <m:oMathParaPr>
+                      <m:jc m:val="centerGroup"/>
+                    </m:oMathParaPr>
+                    <m:oMath xmlns:m="http://schemas.openxmlformats.org/officeDocument/2006/math">
+                      <m:r>
+                        <a:rPr lang="fr-FR" sz="1200" b="0" i="1" smtClean="0">
+                          <a:latin typeface="Cambria Math" panose="02040503050406030204" pitchFamily="18" charset="0"/>
+                        </a:rPr>
+                        <m:t>𝜉</m:t>
+                      </m:r>
+                      <m:r>
+                        <a:rPr lang="fr-FR" sz="1200" b="0" i="1" smtClean="0">
+                          <a:latin typeface="Cambria Math" panose="02040503050406030204" pitchFamily="18" charset="0"/>
+                        </a:rPr>
+                        <m:t>≃0,3 </m:t>
+                      </m:r>
+                    </m:oMath>
+                  </m:oMathPara>
+                </a14:m>
+                <a:endParaRPr lang="fr-FR" sz="1200" dirty="0"/>
+              </a:p>
+            </p:txBody>
+          </p:sp>
+        </mc:Choice>
+        <mc:Fallback>
+          <p:sp>
+            <p:nvSpPr>
+              <p:cNvPr id="12" name="ZoneTexte 11">
+                <a:extLst>
+                  <a:ext uri="{FF2B5EF4-FFF2-40B4-BE49-F238E27FC236}">
+                    <a16:creationId xmlns:a16="http://schemas.microsoft.com/office/drawing/2014/main" id="{B465326D-0A17-4A22-B3A6-78115656F908}"/>
+                  </a:ext>
+                </a:extLst>
+              </p:cNvPr>
+              <p:cNvSpPr txBox="1">
+                <a:spLocks noRot="1" noChangeAspect="1" noMove="1" noResize="1" noEditPoints="1" noAdjustHandles="1" noChangeArrowheads="1" noChangeShapeType="1" noTextEdit="1"/>
+              </p:cNvSpPr>
+              <p:nvPr/>
+            </p:nvSpPr>
+            <p:spPr>
+              <a:xfrm>
+                <a:off x="4353198" y="4815840"/>
+                <a:ext cx="1382484" cy="276999"/>
+              </a:xfrm>
+              <a:prstGeom prst="rect">
+                <a:avLst/>
+              </a:prstGeom>
+              <a:blipFill>
+                <a:blip r:embed="rId4"/>
+                <a:stretch>
+                  <a:fillRect b="-4444"/>
+                </a:stretch>
+              </a:blipFill>
+            </p:spPr>
+            <p:txBody>
+              <a:bodyPr/>
+              <a:lstStyle/>
+              <a:p>
+                <a:r>
+                  <a:rPr lang="fr-FR">
+                    <a:noFill/>
+                  </a:rPr>
+                  <a:t> </a:t>
+                </a:r>
+              </a:p>
+            </p:txBody>
+          </p:sp>
+        </mc:Fallback>
+      </mc:AlternateContent>
+      <p:cxnSp>
+        <p:nvCxnSpPr>
+          <p:cNvPr id="13" name="Connecteur droit 12">
+            <a:extLst>
+              <a:ext uri="{FF2B5EF4-FFF2-40B4-BE49-F238E27FC236}">
+                <a16:creationId xmlns:a16="http://schemas.microsoft.com/office/drawing/2014/main" id="{DB62C279-0A9B-632F-F87B-434925DED786}"/>
+              </a:ext>
+            </a:extLst>
+          </p:cNvPr>
+          <p:cNvCxnSpPr>
+            <a:cxnSpLocks/>
+          </p:cNvCxnSpPr>
+          <p:nvPr/>
+        </p:nvCxnSpPr>
+        <p:spPr>
+          <a:xfrm>
+            <a:off x="8979501" y="3882390"/>
+            <a:ext cx="0" cy="1127760"/>
+          </a:xfrm>
+          <a:prstGeom prst="line">
+            <a:avLst/>
+          </a:prstGeom>
+          <a:ln w="28575">
+            <a:solidFill>
+              <a:srgbClr val="FF0000"/>
+            </a:solidFill>
+            <a:headEnd type="stealth" w="med" len="lg"/>
+            <a:tailEnd type="none"/>
+          </a:ln>
+        </p:spPr>
+        <p:style>
+          <a:lnRef idx="1">
+            <a:schemeClr val="accent1"/>
+          </a:lnRef>
+          <a:fillRef idx="0">
+            <a:schemeClr val="accent1"/>
+          </a:fillRef>
+          <a:effectRef idx="0">
+            <a:schemeClr val="accent1"/>
+          </a:effectRef>
+          <a:fontRef idx="minor">
+            <a:schemeClr val="tx1"/>
+          </a:fontRef>
+        </p:style>
+      </p:cxnSp>
+      <p:cxnSp>
+        <p:nvCxnSpPr>
+          <p:cNvPr id="16" name="Connecteur droit 15">
+            <a:extLst>
+              <a:ext uri="{FF2B5EF4-FFF2-40B4-BE49-F238E27FC236}">
+                <a16:creationId xmlns:a16="http://schemas.microsoft.com/office/drawing/2014/main" id="{DB62C279-0A9B-632F-F87B-434925DED786}"/>
+              </a:ext>
+            </a:extLst>
+          </p:cNvPr>
+          <p:cNvCxnSpPr>
+            <a:cxnSpLocks/>
+          </p:cNvCxnSpPr>
+          <p:nvPr/>
+        </p:nvCxnSpPr>
+        <p:spPr>
+          <a:xfrm>
+            <a:off x="8099425" y="3882390"/>
+            <a:ext cx="880076" cy="0"/>
+          </a:xfrm>
+          <a:prstGeom prst="line">
+            <a:avLst/>
+          </a:prstGeom>
+          <a:ln w="28575">
+            <a:solidFill>
+              <a:srgbClr val="FF0000"/>
+            </a:solidFill>
+            <a:headEnd type="stealth" w="med" len="lg"/>
+            <a:tailEnd type="none"/>
+          </a:ln>
+        </p:spPr>
+        <p:style>
+          <a:lnRef idx="1">
+            <a:schemeClr val="accent1"/>
+          </a:lnRef>
+          <a:fillRef idx="0">
+            <a:schemeClr val="accent1"/>
+          </a:fillRef>
+          <a:effectRef idx="0">
+            <a:schemeClr val="accent1"/>
+          </a:effectRef>
+          <a:fontRef idx="minor">
+            <a:schemeClr val="tx1"/>
+          </a:fontRef>
+        </p:style>
+      </p:cxnSp>
+      <mc:AlternateContent xmlns:mc="http://schemas.openxmlformats.org/markup-compatibility/2006">
+        <mc:Choice xmlns:a14="http://schemas.microsoft.com/office/drawing/2010/main" Requires="a14">
+          <p:sp>
+            <p:nvSpPr>
+              <p:cNvPr id="20" name="ZoneTexte 19">
+                <a:extLst>
+                  <a:ext uri="{FF2B5EF4-FFF2-40B4-BE49-F238E27FC236}">
+                    <a16:creationId xmlns:a16="http://schemas.microsoft.com/office/drawing/2014/main" id="{B465326D-0A17-4A22-B3A6-78115656F908}"/>
+                  </a:ext>
+                </a:extLst>
+              </p:cNvPr>
+              <p:cNvSpPr txBox="1"/>
+              <p:nvPr/>
+            </p:nvSpPr>
+            <p:spPr>
+              <a:xfrm>
+                <a:off x="7000531" y="3743890"/>
+                <a:ext cx="1382484" cy="276999"/>
+              </a:xfrm>
+              <a:prstGeom prst="rect">
+                <a:avLst/>
+              </a:prstGeom>
+              <a:noFill/>
+            </p:spPr>
+            <p:txBody>
+              <a:bodyPr wrap="square" rtlCol="0">
+                <a:spAutoFit/>
+              </a:bodyPr>
+              <a:lstStyle/>
+              <a:p>
+                <a:pPr/>
+                <a14:m>
+                  <m:oMathPara xmlns:m="http://schemas.openxmlformats.org/officeDocument/2006/math">
+                    <m:oMathParaPr>
+                      <m:jc m:val="centerGroup"/>
+                    </m:oMathParaPr>
+                    <m:oMath xmlns:m="http://schemas.openxmlformats.org/officeDocument/2006/math">
+                      <m:r>
+                        <a:rPr lang="fr-FR" sz="1200" b="1" i="1" smtClean="0">
+                          <a:latin typeface="Cambria Math" panose="02040503050406030204" pitchFamily="18" charset="0"/>
+                        </a:rPr>
+                        <m:t>𝟖</m:t>
+                      </m:r>
+                    </m:oMath>
+                  </m:oMathPara>
+                </a14:m>
+                <a:endParaRPr lang="fr-FR" sz="1200" b="1" dirty="0"/>
+              </a:p>
+            </p:txBody>
+          </p:sp>
+        </mc:Choice>
+        <mc:Fallback>
+          <p:sp>
+            <p:nvSpPr>
+              <p:cNvPr id="20" name="ZoneTexte 19">
+                <a:extLst>
+                  <a:ext uri="{FF2B5EF4-FFF2-40B4-BE49-F238E27FC236}">
+                    <a16:creationId xmlns:a16="http://schemas.microsoft.com/office/drawing/2014/main" id="{B465326D-0A17-4A22-B3A6-78115656F908}"/>
+                  </a:ext>
+                </a:extLst>
+              </p:cNvPr>
+              <p:cNvSpPr txBox="1">
+                <a:spLocks noRot="1" noChangeAspect="1" noMove="1" noResize="1" noEditPoints="1" noAdjustHandles="1" noChangeArrowheads="1" noChangeShapeType="1" noTextEdit="1"/>
+              </p:cNvSpPr>
+              <p:nvPr/>
+            </p:nvSpPr>
+            <p:spPr>
+              <a:xfrm>
+                <a:off x="7000531" y="3743890"/>
+                <a:ext cx="1382484" cy="276999"/>
+              </a:xfrm>
+              <a:prstGeom prst="rect">
+                <a:avLst/>
+              </a:prstGeom>
+              <a:blipFill>
+                <a:blip r:embed="rId5"/>
+                <a:stretch>
+                  <a:fillRect/>
+                </a:stretch>
+              </a:blipFill>
+            </p:spPr>
+            <p:txBody>
+              <a:bodyPr/>
+              <a:lstStyle/>
+              <a:p>
+                <a:r>
+                  <a:rPr lang="fr-FR">
+                    <a:noFill/>
+                  </a:rPr>
+                  <a:t> </a:t>
+                </a:r>
+              </a:p>
+            </p:txBody>
+          </p:sp>
+        </mc:Fallback>
+      </mc:AlternateContent>
+      <mc:AlternateContent xmlns:mc="http://schemas.openxmlformats.org/markup-compatibility/2006">
+        <mc:Choice xmlns:a14="http://schemas.microsoft.com/office/drawing/2010/main" Requires="a14">
+          <p:sp>
+            <p:nvSpPr>
+              <p:cNvPr id="21" name="ZoneTexte 20">
+                <a:extLst>
+                  <a:ext uri="{FF2B5EF4-FFF2-40B4-BE49-F238E27FC236}">
+                    <a16:creationId xmlns:a16="http://schemas.microsoft.com/office/drawing/2014/main" id="{B465326D-0A17-4A22-B3A6-78115656F908}"/>
+                  </a:ext>
+                </a:extLst>
+              </p:cNvPr>
+              <p:cNvSpPr txBox="1"/>
+              <p:nvPr/>
+            </p:nvSpPr>
+            <p:spPr>
+              <a:xfrm>
+                <a:off x="8288259" y="5092839"/>
+                <a:ext cx="1382484" cy="276999"/>
+              </a:xfrm>
+              <a:prstGeom prst="rect">
+                <a:avLst/>
+              </a:prstGeom>
+              <a:noFill/>
+            </p:spPr>
+            <p:txBody>
+              <a:bodyPr wrap="square" rtlCol="0">
+                <a:spAutoFit/>
+              </a:bodyPr>
+              <a:lstStyle/>
+              <a:p>
+                <a:pPr/>
+                <a14:m>
+                  <m:oMathPara xmlns:m="http://schemas.openxmlformats.org/officeDocument/2006/math">
+                    <m:oMathParaPr>
+                      <m:jc m:val="centerGroup"/>
+                    </m:oMathParaPr>
+                    <m:oMath xmlns:m="http://schemas.openxmlformats.org/officeDocument/2006/math">
+                      <m:r>
+                        <a:rPr lang="fr-FR" sz="1200" b="0" i="1" smtClean="0">
+                          <a:latin typeface="Cambria Math" panose="02040503050406030204" pitchFamily="18" charset="0"/>
+                        </a:rPr>
+                        <m:t>𝜉</m:t>
+                      </m:r>
+                      <m:r>
+                        <a:rPr lang="fr-FR" sz="1200" b="0" i="1" smtClean="0">
+                          <a:latin typeface="Cambria Math" panose="02040503050406030204" pitchFamily="18" charset="0"/>
+                        </a:rPr>
+                        <m:t>≃0,3 </m:t>
+                      </m:r>
+                    </m:oMath>
+                  </m:oMathPara>
+                </a14:m>
+                <a:endParaRPr lang="fr-FR" sz="1200" dirty="0"/>
+              </a:p>
+            </p:txBody>
+          </p:sp>
+        </mc:Choice>
+        <mc:Fallback>
+          <p:sp>
+            <p:nvSpPr>
+              <p:cNvPr id="21" name="ZoneTexte 20">
+                <a:extLst>
+                  <a:ext uri="{FF2B5EF4-FFF2-40B4-BE49-F238E27FC236}">
+                    <a16:creationId xmlns:a16="http://schemas.microsoft.com/office/drawing/2014/main" id="{B465326D-0A17-4A22-B3A6-78115656F908}"/>
+                  </a:ext>
+                </a:extLst>
+              </p:cNvPr>
+              <p:cNvSpPr txBox="1">
+                <a:spLocks noRot="1" noChangeAspect="1" noMove="1" noResize="1" noEditPoints="1" noAdjustHandles="1" noChangeArrowheads="1" noChangeShapeType="1" noTextEdit="1"/>
+              </p:cNvSpPr>
+              <p:nvPr/>
+            </p:nvSpPr>
+            <p:spPr>
+              <a:xfrm>
+                <a:off x="8288259" y="5092839"/>
+                <a:ext cx="1382484" cy="276999"/>
+              </a:xfrm>
+              <a:prstGeom prst="rect">
+                <a:avLst/>
+              </a:prstGeom>
+              <a:blipFill>
+                <a:blip r:embed="rId6"/>
+                <a:stretch>
+                  <a:fillRect b="-4348"/>
+                </a:stretch>
+              </a:blipFill>
+            </p:spPr>
+            <p:txBody>
+              <a:bodyPr/>
+              <a:lstStyle/>
+              <a:p>
+                <a:r>
+                  <a:rPr lang="fr-FR">
+                    <a:noFill/>
+                  </a:rPr>
+                  <a:t> </a:t>
+                </a:r>
+              </a:p>
+            </p:txBody>
+          </p:sp>
+        </mc:Fallback>
+      </mc:AlternateContent>
+    </p:spTree>
+    <p:extLst>
+      <p:ext uri="{BB962C8B-B14F-4D97-AF65-F5344CB8AC3E}">
+        <p14:creationId xmlns:p14="http://schemas.microsoft.com/office/powerpoint/2010/main" val="1223198875"/>
       </p:ext>
     </p:extLst>
   </p:cSld>
